--- a/2024/NECSA_October_2024/01_Monday_October_7th/04_Neutron_optics_exercises/Choppers_and_other_rotating_optics.pptx
+++ b/2024/NECSA_October_2024/01_Monday_October_7th/04_Neutron_optics_exercises/Choppers_and_other_rotating_optics.pptx
@@ -19,7 +19,6 @@
     <p:sldId id="264" r:id="rId16"/>
     <p:sldId id="265" r:id="rId17"/>
     <p:sldId id="266" r:id="rId18"/>
-    <p:sldId id="267" r:id="rId19"/>
   </p:sldIdLst>
   <p:sldSz cx="12179300" cy="6858000"/>
   <p:notesSz cx="6858000" cy="9144000"/>
@@ -8561,22 +8560,6 @@
               <a:t>Disk Chopper</a:t>
             </a:r>
           </a:p>
-          <a:p>
-            <a:pPr marL="250031" indent="-250031">
-              <a:buSzPct val="100000"/>
-              <a:buFont typeface="Arial"/>
-              <a:buChar char="•"/>
-              <a:defRPr sz="2800">
-                <a:latin typeface="Helvetica Neue"/>
-                <a:ea typeface="Helvetica Neue"/>
-                <a:cs typeface="Helvetica Neue"/>
-                <a:sym typeface="Helvetica Neue"/>
-              </a:defRPr>
-            </a:pPr>
-            <a:r>
-              <a:t>Fermi Chopper</a:t>
-            </a:r>
-          </a:p>
         </p:txBody>
       </p:sp>
       <p:sp>
@@ -9166,133 +9149,6 @@
           <a:xfrm>
             <a:off x="2222660" y="2189949"/>
             <a:ext cx="7295991" cy="3849702"/>
-          </a:xfrm>
-          <a:prstGeom prst="rect">
-            <a:avLst/>
-          </a:prstGeom>
-          <a:ln w="12700">
-            <a:miter lim="400000"/>
-          </a:ln>
-        </p:spPr>
-      </p:pic>
-    </p:spTree>
-  </p:cSld>
-  <p:clrMapOvr>
-    <a:masterClrMapping/>
-  </p:clrMapOvr>
-  <p:transition xmlns:p14="http://schemas.microsoft.com/office/powerpoint/2010/main" spd="med" advClick="1"/>
-</p:sld>
-</file>
-
-<file path=ppt/slides/slide12.xml><?xml version="1.0" encoding="utf-8"?>
-<p:sld xmlns:a="http://schemas.openxmlformats.org/drawingml/2006/main" xmlns:r="http://schemas.openxmlformats.org/officeDocument/2006/relationships" xmlns:p="http://schemas.openxmlformats.org/presentationml/2006/main" xmlns:m="http://schemas.openxmlformats.org/officeDocument/2006/math" xmlns:a14="http://schemas.microsoft.com/office/drawing/2010/main" showMasterSp="1" showMasterPhAnim="1">
-  <p:cSld>
-    <p:spTree>
-      <p:nvGrpSpPr>
-        <p:cNvPr id="1" name=""/>
-        <p:cNvGrpSpPr/>
-        <p:nvPr/>
-      </p:nvGrpSpPr>
-      <p:grpSpPr>
-        <a:xfrm>
-          <a:off x="0" y="0"/>
-          <a:ext cx="0" cy="0"/>
-          <a:chOff x="0" y="0"/>
-          <a:chExt cx="0" cy="0"/>
-        </a:xfrm>
-      </p:grpSpPr>
-      <p:sp>
-        <p:nvSpPr>
-          <p:cNvPr id="237" name="Slide Number"/>
-          <p:cNvSpPr txBox="1"/>
-          <p:nvPr>
-            <p:ph type="sldNum" sz="quarter" idx="2"/>
-          </p:nvPr>
-        </p:nvSpPr>
-        <p:spPr>
-          <a:prstGeom prst="rect">
-            <a:avLst/>
-          </a:prstGeom>
-          <a:extLst>
-            <a:ext uri="{C572A759-6A51-4108-AA02-DFA0A04FC94B}">
-              <ma14:wrappingTextBoxFlag xmlns:ma14="http://schemas.microsoft.com/office/mac/drawingml/2011/main" val="1"/>
-            </a:ext>
-          </a:extLst>
-        </p:spPr>
-        <p:txBody>
-          <a:bodyPr/>
-          <a:lstStyle/>
-          <a:p>
-            <a:pPr/>
-            <a:fld id="{86CB4B4D-7CA3-9044-876B-883B54F8677D}" type="slidenum"/>
-          </a:p>
-        </p:txBody>
-      </p:sp>
-      <p:sp>
-        <p:nvSpPr>
-          <p:cNvPr id="238" name="Shape 125"/>
-          <p:cNvSpPr txBox="1"/>
-          <p:nvPr/>
-        </p:nvSpPr>
-        <p:spPr>
-          <a:xfrm>
-            <a:off x="1911456" y="207468"/>
-            <a:ext cx="7538038" cy="514053"/>
-          </a:xfrm>
-          <a:prstGeom prst="rect">
-            <a:avLst/>
-          </a:prstGeom>
-          <a:ln w="12700">
-            <a:miter lim="400000"/>
-          </a:ln>
-          <a:extLst>
-            <a:ext uri="{C572A759-6A51-4108-AA02-DFA0A04FC94B}">
-              <ma14:wrappingTextBoxFlag xmlns:ma14="http://schemas.microsoft.com/office/mac/drawingml/2011/main" val="1"/>
-            </a:ext>
-          </a:extLst>
-        </p:spPr>
-        <p:txBody>
-          <a:bodyPr lIns="46104" tIns="46104" rIns="46104" bIns="46104">
-            <a:spAutoFit/>
-          </a:bodyPr>
-          <a:lstStyle>
-            <a:lvl1pPr>
-              <a:defRPr sz="2800">
-                <a:latin typeface="Helvetica Neue"/>
-                <a:ea typeface="Helvetica Neue"/>
-                <a:cs typeface="Helvetica Neue"/>
-                <a:sym typeface="Helvetica Neue"/>
-              </a:defRPr>
-            </a:lvl1pPr>
-          </a:lstStyle>
-          <a:p>
-            <a:pPr/>
-            <a:r>
-              <a:t>FERMI CHOPPER</a:t>
-            </a:r>
-          </a:p>
-        </p:txBody>
-      </p:sp>
-      <p:pic>
-        <p:nvPicPr>
-          <p:cNvPr id="239" name="FermiChop.pdf" descr="FermiChop.pdf"/>
-          <p:cNvPicPr>
-            <a:picLocks noChangeAspect="1"/>
-          </p:cNvPicPr>
-          <p:nvPr/>
-        </p:nvPicPr>
-        <p:blipFill>
-          <a:blip r:embed="rId2">
-            <a:extLst/>
-          </a:blip>
-          <a:stretch>
-            <a:fillRect/>
-          </a:stretch>
-        </p:blipFill>
-        <p:spPr>
-          <a:xfrm>
-            <a:off x="1807722" y="1267865"/>
-            <a:ext cx="7388199" cy="4114801"/>
           </a:xfrm>
           <a:prstGeom prst="rect">
             <a:avLst/>

--- a/2024/NECSA_October_2024/01_Monday_October_7th/04_Neutron_optics_exercises/Choppers_and_other_rotating_optics.pptx
+++ b/2024/NECSA_October_2024/01_Monday_October_7th/04_Neutron_optics_exercises/Choppers_and_other_rotating_optics.pptx
@@ -15,10 +15,6 @@
     <p:sldId id="260" r:id="rId12"/>
     <p:sldId id="261" r:id="rId13"/>
     <p:sldId id="262" r:id="rId14"/>
-    <p:sldId id="263" r:id="rId15"/>
-    <p:sldId id="264" r:id="rId16"/>
-    <p:sldId id="265" r:id="rId17"/>
-    <p:sldId id="266" r:id="rId18"/>
   </p:sldIdLst>
   <p:sldSz cx="12179300" cy="6858000"/>
   <p:notesSz cx="6858000" cy="9144000"/>
@@ -8472,8 +8468,8 @@
         </p:nvSpPr>
         <p:spPr>
           <a:xfrm>
-            <a:off x="3770755" y="2926148"/>
-            <a:ext cx="4047149" cy="3190444"/>
+            <a:off x="3770755" y="2944098"/>
+            <a:ext cx="4047149" cy="2083005"/>
           </a:xfrm>
           <a:prstGeom prst="rect">
             <a:avLst/>
@@ -8512,15 +8508,12 @@
               </a:defRPr>
             </a:pPr>
             <a:r>
-              <a:t>Moving Optics</a:t>
+              <a:t>Moving Optic Example:</a:t>
             </a:r>
           </a:p>
           <a:p>
-            <a:pPr marL="250031" indent="-250031">
-              <a:buSzPct val="100000"/>
-              <a:buFont typeface="Arial"/>
-              <a:buChar char="•"/>
-              <a:defRPr sz="2800">
+            <a:pPr>
+              <a:defRPr b="1" sz="2800">
                 <a:latin typeface="Helvetica Neue"/>
                 <a:ea typeface="Helvetica Neue"/>
                 <a:cs typeface="Helvetica Neue"/>
@@ -8542,22 +8535,6 @@
             </a:pPr>
             <a:r>
               <a:t>Velocity selector</a:t>
-            </a:r>
-          </a:p>
-          <a:p>
-            <a:pPr marL="250031" indent="-250031">
-              <a:buSzPct val="100000"/>
-              <a:buFont typeface="Arial"/>
-              <a:buChar char="•"/>
-              <a:defRPr sz="2800">
-                <a:latin typeface="Helvetica Neue"/>
-                <a:ea typeface="Helvetica Neue"/>
-                <a:cs typeface="Helvetica Neue"/>
-                <a:sym typeface="Helvetica Neue"/>
-              </a:defRPr>
-            </a:pPr>
-            <a:r>
-              <a:t>Disk Chopper</a:t>
             </a:r>
           </a:p>
         </p:txBody>
@@ -8893,271 +8870,6 @@
           </a:p>
         </p:txBody>
       </p:sp>
-    </p:spTree>
-  </p:cSld>
-  <p:clrMapOvr>
-    <a:masterClrMapping/>
-  </p:clrMapOvr>
-  <p:transition xmlns:p14="http://schemas.microsoft.com/office/powerpoint/2010/main" spd="med" advClick="1"/>
-</p:sld>
-</file>
-
-<file path=ppt/slides/slide10.xml><?xml version="1.0" encoding="utf-8"?>
-<p:sld xmlns:a="http://schemas.openxmlformats.org/drawingml/2006/main" xmlns:r="http://schemas.openxmlformats.org/officeDocument/2006/relationships" xmlns:p="http://schemas.openxmlformats.org/presentationml/2006/main" xmlns:m="http://schemas.openxmlformats.org/officeDocument/2006/math" xmlns:a14="http://schemas.microsoft.com/office/drawing/2010/main" showMasterSp="1" showMasterPhAnim="1">
-  <p:cSld>
-    <p:spTree>
-      <p:nvGrpSpPr>
-        <p:cNvPr id="1" name=""/>
-        <p:cNvGrpSpPr/>
-        <p:nvPr/>
-      </p:nvGrpSpPr>
-      <p:grpSpPr>
-        <a:xfrm>
-          <a:off x="0" y="0"/>
-          <a:ext cx="0" cy="0"/>
-          <a:chOff x="0" y="0"/>
-          <a:chExt cx="0" cy="0"/>
-        </a:xfrm>
-      </p:grpSpPr>
-      <p:sp>
-        <p:nvSpPr>
-          <p:cNvPr id="229" name="Slide Number"/>
-          <p:cNvSpPr txBox="1"/>
-          <p:nvPr>
-            <p:ph type="sldNum" sz="quarter" idx="2"/>
-          </p:nvPr>
-        </p:nvSpPr>
-        <p:spPr>
-          <a:prstGeom prst="rect">
-            <a:avLst/>
-          </a:prstGeom>
-          <a:extLst>
-            <a:ext uri="{C572A759-6A51-4108-AA02-DFA0A04FC94B}">
-              <ma14:wrappingTextBoxFlag xmlns:ma14="http://schemas.microsoft.com/office/mac/drawingml/2011/main" val="1"/>
-            </a:ext>
-          </a:extLst>
-        </p:spPr>
-        <p:txBody>
-          <a:bodyPr/>
-          <a:lstStyle/>
-          <a:p>
-            <a:pPr/>
-            <a:fld id="{86CB4B4D-7CA3-9044-876B-883B54F8677D}" type="slidenum"/>
-          </a:p>
-        </p:txBody>
-      </p:sp>
-      <p:sp>
-        <p:nvSpPr>
-          <p:cNvPr id="230" name="Title 1"/>
-          <p:cNvSpPr txBox="1"/>
-          <p:nvPr/>
-        </p:nvSpPr>
-        <p:spPr>
-          <a:xfrm>
-            <a:off x="1519571" y="110814"/>
-            <a:ext cx="8232759" cy="421844"/>
-          </a:xfrm>
-          <a:prstGeom prst="rect">
-            <a:avLst/>
-          </a:prstGeom>
-          <a:ln w="12700">
-            <a:miter lim="400000"/>
-          </a:ln>
-          <a:extLst>
-            <a:ext uri="{C572A759-6A51-4108-AA02-DFA0A04FC94B}">
-              <ma14:wrappingTextBoxFlag xmlns:ma14="http://schemas.microsoft.com/office/mac/drawingml/2011/main" val="1"/>
-            </a:ext>
-          </a:extLst>
-        </p:spPr>
-        <p:txBody>
-          <a:bodyPr lIns="0" tIns="0" rIns="0" bIns="0">
-            <a:spAutoFit/>
-          </a:bodyPr>
-          <a:lstStyle>
-            <a:lvl1pPr>
-              <a:defRPr sz="2800">
-                <a:latin typeface="Helvetica Neue"/>
-                <a:ea typeface="Helvetica Neue"/>
-                <a:cs typeface="Helvetica Neue"/>
-                <a:sym typeface="Helvetica Neue"/>
-              </a:defRPr>
-            </a:lvl1pPr>
-          </a:lstStyle>
-          <a:p>
-            <a:pPr/>
-            <a:r>
-              <a:t>DISK CHOPPER</a:t>
-            </a:r>
-          </a:p>
-        </p:txBody>
-      </p:sp>
-      <p:pic>
-        <p:nvPicPr>
-          <p:cNvPr id="231" name="Screenshot 2022-03-16 at 21.09.23.png" descr="Screenshot 2022-03-16 at 21.09.23.png"/>
-          <p:cNvPicPr>
-            <a:picLocks noChangeAspect="1"/>
-          </p:cNvPicPr>
-          <p:nvPr/>
-        </p:nvPicPr>
-        <p:blipFill>
-          <a:blip r:embed="rId2">
-            <a:extLst/>
-          </a:blip>
-          <a:stretch>
-            <a:fillRect/>
-          </a:stretch>
-        </p:blipFill>
-        <p:spPr>
-          <a:xfrm>
-            <a:off x="1125316" y="1065600"/>
-            <a:ext cx="10350501" cy="5422901"/>
-          </a:xfrm>
-          <a:prstGeom prst="rect">
-            <a:avLst/>
-          </a:prstGeom>
-          <a:ln w="12700">
-            <a:miter lim="400000"/>
-          </a:ln>
-        </p:spPr>
-      </p:pic>
-    </p:spTree>
-  </p:cSld>
-  <p:clrMapOvr>
-    <a:masterClrMapping/>
-  </p:clrMapOvr>
-  <p:transition xmlns:p14="http://schemas.microsoft.com/office/powerpoint/2010/main" spd="med" advClick="1"/>
-</p:sld>
-</file>
-
-<file path=ppt/slides/slide11.xml><?xml version="1.0" encoding="utf-8"?>
-<p:sld xmlns:a="http://schemas.openxmlformats.org/drawingml/2006/main" xmlns:r="http://schemas.openxmlformats.org/officeDocument/2006/relationships" xmlns:p="http://schemas.openxmlformats.org/presentationml/2006/main" xmlns:m="http://schemas.openxmlformats.org/officeDocument/2006/math" xmlns:a14="http://schemas.microsoft.com/office/drawing/2010/main" showMasterSp="1" showMasterPhAnim="1">
-  <p:cSld>
-    <p:spTree>
-      <p:nvGrpSpPr>
-        <p:cNvPr id="1" name=""/>
-        <p:cNvGrpSpPr/>
-        <p:nvPr/>
-      </p:nvGrpSpPr>
-      <p:grpSpPr>
-        <a:xfrm>
-          <a:off x="0" y="0"/>
-          <a:ext cx="0" cy="0"/>
-          <a:chOff x="0" y="0"/>
-          <a:chExt cx="0" cy="0"/>
-        </a:xfrm>
-      </p:grpSpPr>
-      <p:sp>
-        <p:nvSpPr>
-          <p:cNvPr id="233" name="Slide Number"/>
-          <p:cNvSpPr txBox="1"/>
-          <p:nvPr>
-            <p:ph type="sldNum" sz="quarter" idx="2"/>
-          </p:nvPr>
-        </p:nvSpPr>
-        <p:spPr>
-          <a:prstGeom prst="rect">
-            <a:avLst/>
-          </a:prstGeom>
-          <a:extLst>
-            <a:ext uri="{C572A759-6A51-4108-AA02-DFA0A04FC94B}">
-              <ma14:wrappingTextBoxFlag xmlns:ma14="http://schemas.microsoft.com/office/mac/drawingml/2011/main" val="1"/>
-            </a:ext>
-          </a:extLst>
-        </p:spPr>
-        <p:txBody>
-          <a:bodyPr/>
-          <a:lstStyle/>
-          <a:p>
-            <a:pPr/>
-            <a:fld id="{86CB4B4D-7CA3-9044-876B-883B54F8677D}" type="slidenum"/>
-          </a:p>
-        </p:txBody>
-      </p:sp>
-      <p:sp>
-        <p:nvSpPr>
-          <p:cNvPr id="234" name="Shape 83"/>
-          <p:cNvSpPr txBox="1"/>
-          <p:nvPr/>
-        </p:nvSpPr>
-        <p:spPr>
-          <a:xfrm>
-            <a:off x="1796196" y="161364"/>
-            <a:ext cx="7745507" cy="864573"/>
-          </a:xfrm>
-          <a:prstGeom prst="rect">
-            <a:avLst/>
-          </a:prstGeom>
-          <a:ln w="12700">
-            <a:miter lim="400000"/>
-          </a:ln>
-          <a:extLst>
-            <a:ext uri="{C572A759-6A51-4108-AA02-DFA0A04FC94B}">
-              <ma14:wrappingTextBoxFlag xmlns:ma14="http://schemas.microsoft.com/office/mac/drawingml/2011/main" val="1"/>
-            </a:ext>
-          </a:extLst>
-        </p:spPr>
-        <p:txBody>
-          <a:bodyPr lIns="46104" tIns="46104" rIns="46104" bIns="46104">
-            <a:spAutoFit/>
-          </a:bodyPr>
-          <a:lstStyle/>
-          <a:p>
-            <a:pPr>
-              <a:defRPr>
-                <a:latin typeface="Helvetica Neue"/>
-                <a:ea typeface="Helvetica Neue"/>
-                <a:cs typeface="Helvetica Neue"/>
-                <a:sym typeface="Helvetica Neue"/>
-              </a:defRPr>
-            </a:pPr>
-          </a:p>
-          <a:p>
-            <a:pPr>
-              <a:defRPr sz="2800">
-                <a:latin typeface="Helvetica Neue"/>
-                <a:ea typeface="Helvetica Neue"/>
-                <a:cs typeface="Helvetica Neue"/>
-                <a:sym typeface="Helvetica Neue"/>
-              </a:defRPr>
-            </a:pPr>
-            <a:r>
-              <a:t>Multiple </a:t>
-            </a:r>
-            <a:r>
-              <a:t>DISK CHOPPER s or MultiDiskChopper</a:t>
-            </a:r>
-          </a:p>
-        </p:txBody>
-      </p:sp>
-      <p:pic>
-        <p:nvPicPr>
-          <p:cNvPr id="235" name="DiskChop2.pdf" descr="DiskChop2.pdf"/>
-          <p:cNvPicPr>
-            <a:picLocks noChangeAspect="1"/>
-          </p:cNvPicPr>
-          <p:nvPr/>
-        </p:nvPicPr>
-        <p:blipFill>
-          <a:blip r:embed="rId2">
-            <a:extLst/>
-          </a:blip>
-          <a:stretch>
-            <a:fillRect/>
-          </a:stretch>
-        </p:blipFill>
-        <p:spPr>
-          <a:xfrm>
-            <a:off x="2222660" y="2189949"/>
-            <a:ext cx="7295991" cy="3849702"/>
-          </a:xfrm>
-          <a:prstGeom prst="rect">
-            <a:avLst/>
-          </a:prstGeom>
-          <a:ln w="12700">
-            <a:miter lim="400000"/>
-          </a:ln>
-        </p:spPr>
-      </p:pic>
     </p:spTree>
   </p:cSld>
   <p:clrMapOvr>
@@ -11185,623 +10897,6 @@
           <a:lstStyle/>
           <a:p>
             <a:pPr/>
-          </a:p>
-        </p:txBody>
-      </p:sp>
-    </p:spTree>
-  </p:cSld>
-  <p:clrMapOvr>
-    <a:masterClrMapping/>
-  </p:clrMapOvr>
-  <p:transition xmlns:p14="http://schemas.microsoft.com/office/powerpoint/2010/main" spd="med" advClick="1"/>
-</p:sld>
-</file>
-
-<file path=ppt/slides/slide8.xml><?xml version="1.0" encoding="utf-8"?>
-<p:sld xmlns:a="http://schemas.openxmlformats.org/drawingml/2006/main" xmlns:r="http://schemas.openxmlformats.org/officeDocument/2006/relationships" xmlns:p="http://schemas.openxmlformats.org/presentationml/2006/main" xmlns:m="http://schemas.openxmlformats.org/officeDocument/2006/math" xmlns:a14="http://schemas.microsoft.com/office/drawing/2010/main" showMasterSp="1" showMasterPhAnim="1">
-  <p:cSld>
-    <p:spTree>
-      <p:nvGrpSpPr>
-        <p:cNvPr id="1" name=""/>
-        <p:cNvGrpSpPr/>
-        <p:nvPr/>
-      </p:nvGrpSpPr>
-      <p:grpSpPr>
-        <a:xfrm>
-          <a:off x="0" y="0"/>
-          <a:ext cx="0" cy="0"/>
-          <a:chOff x="0" y="0"/>
-          <a:chExt cx="0" cy="0"/>
-        </a:xfrm>
-      </p:grpSpPr>
-      <p:sp>
-        <p:nvSpPr>
-          <p:cNvPr id="215" name="Rounded Rectangle 3"/>
-          <p:cNvSpPr/>
-          <p:nvPr/>
-        </p:nvSpPr>
-        <p:spPr>
-          <a:xfrm>
-            <a:off x="2044069" y="2228221"/>
-            <a:ext cx="1457407" cy="518619"/>
-          </a:xfrm>
-          <a:prstGeom prst="roundRect">
-            <a:avLst>
-              <a:gd name="adj" fmla="val 16667"/>
-            </a:avLst>
-          </a:prstGeom>
-          <a:gradFill>
-            <a:gsLst>
-              <a:gs pos="0">
-                <a:srgbClr val="A603AB"/>
-              </a:gs>
-              <a:gs pos="21001">
-                <a:srgbClr val="0819FB"/>
-              </a:gs>
-              <a:gs pos="35001">
-                <a:srgbClr val="1A8D48"/>
-              </a:gs>
-              <a:gs pos="52000">
-                <a:srgbClr val="FFFF00"/>
-              </a:gs>
-              <a:gs pos="73000">
-                <a:srgbClr val="EE3F17"/>
-              </a:gs>
-              <a:gs pos="88000">
-                <a:srgbClr val="E81766"/>
-              </a:gs>
-              <a:gs pos="100000">
-                <a:srgbClr val="A603AB"/>
-              </a:gs>
-            </a:gsLst>
-            <a:lin ang="5400000"/>
-          </a:gradFill>
-          <a:ln w="12700">
-            <a:miter lim="400000"/>
-          </a:ln>
-        </p:spPr>
-        <p:txBody>
-          <a:bodyPr lIns="46799" tIns="46799" rIns="46799" bIns="46799" anchor="ctr"/>
-          <a:lstStyle/>
-          <a:p>
-            <a:pPr>
-              <a:defRPr>
-                <a:solidFill>
-                  <a:srgbClr val="FFFFFF"/>
-                </a:solidFill>
-                <a:latin typeface="Helvetica Neue"/>
-                <a:ea typeface="Helvetica Neue"/>
-                <a:cs typeface="Helvetica Neue"/>
-                <a:sym typeface="Helvetica Neue"/>
-              </a:defRPr>
-            </a:pPr>
-          </a:p>
-        </p:txBody>
-      </p:sp>
-      <p:sp>
-        <p:nvSpPr>
-          <p:cNvPr id="216" name="Title 1"/>
-          <p:cNvSpPr txBox="1"/>
-          <p:nvPr>
-            <p:ph type="title"/>
-          </p:nvPr>
-        </p:nvSpPr>
-        <p:spPr>
-          <a:prstGeom prst="rect">
-            <a:avLst/>
-          </a:prstGeom>
-        </p:spPr>
-        <p:txBody>
-          <a:bodyPr/>
-          <a:lstStyle>
-            <a:lvl1pPr>
-              <a:defRPr sz="2800"/>
-            </a:lvl1pPr>
-          </a:lstStyle>
-          <a:p>
-            <a:pPr/>
-            <a:r>
-              <a:t>DISK CHOPPER</a:t>
-            </a:r>
-          </a:p>
-        </p:txBody>
-      </p:sp>
-      <p:sp>
-        <p:nvSpPr>
-          <p:cNvPr id="217" name="Slide Number"/>
-          <p:cNvSpPr txBox="1"/>
-          <p:nvPr>
-            <p:ph type="sldNum" sz="quarter" idx="2"/>
-          </p:nvPr>
-        </p:nvSpPr>
-        <p:spPr>
-          <a:prstGeom prst="rect">
-            <a:avLst/>
-          </a:prstGeom>
-          <a:extLst>
-            <a:ext uri="{C572A759-6A51-4108-AA02-DFA0A04FC94B}">
-              <ma14:wrappingTextBoxFlag xmlns:ma14="http://schemas.microsoft.com/office/mac/drawingml/2011/main" val="1"/>
-            </a:ext>
-          </a:extLst>
-        </p:spPr>
-        <p:txBody>
-          <a:bodyPr/>
-          <a:lstStyle/>
-          <a:p>
-            <a:pPr/>
-            <a:fld id="{86CB4B4D-7CA3-9044-876B-883B54F8677D}" type="slidenum"/>
-          </a:p>
-        </p:txBody>
-      </p:sp>
-      <p:sp>
-        <p:nvSpPr>
-          <p:cNvPr id="218" name="Rounded Rectangle 12"/>
-          <p:cNvSpPr/>
-          <p:nvPr/>
-        </p:nvSpPr>
-        <p:spPr>
-          <a:xfrm>
-            <a:off x="6923697" y="2228221"/>
-            <a:ext cx="2461131" cy="518619"/>
-          </a:xfrm>
-          <a:prstGeom prst="roundRect">
-            <a:avLst>
-              <a:gd name="adj" fmla="val 16667"/>
-            </a:avLst>
-          </a:prstGeom>
-          <a:gradFill>
-            <a:gsLst>
-              <a:gs pos="0">
-                <a:srgbClr val="A603AB"/>
-              </a:gs>
-              <a:gs pos="21001">
-                <a:srgbClr val="0819FB"/>
-              </a:gs>
-              <a:gs pos="35001">
-                <a:srgbClr val="1A8D48"/>
-              </a:gs>
-              <a:gs pos="52000">
-                <a:srgbClr val="FFFF00"/>
-              </a:gs>
-              <a:gs pos="73000">
-                <a:srgbClr val="EE3F17"/>
-              </a:gs>
-              <a:gs pos="88000">
-                <a:srgbClr val="E81766"/>
-              </a:gs>
-              <a:gs pos="100000">
-                <a:srgbClr val="A603AB"/>
-              </a:gs>
-            </a:gsLst>
-            <a:lin ang="10800000"/>
-          </a:gradFill>
-          <a:ln w="12700">
-            <a:miter lim="400000"/>
-          </a:ln>
-        </p:spPr>
-        <p:txBody>
-          <a:bodyPr lIns="46799" tIns="46799" rIns="46799" bIns="46799" anchor="ctr"/>
-          <a:lstStyle/>
-          <a:p>
-            <a:pPr>
-              <a:defRPr>
-                <a:solidFill>
-                  <a:srgbClr val="FFFFFF"/>
-                </a:solidFill>
-                <a:latin typeface="Helvetica Neue"/>
-                <a:ea typeface="Helvetica Neue"/>
-                <a:cs typeface="Helvetica Neue"/>
-                <a:sym typeface="Helvetica Neue"/>
-              </a:defRPr>
-            </a:pPr>
-          </a:p>
-        </p:txBody>
-      </p:sp>
-      <p:sp>
-        <p:nvSpPr>
-          <p:cNvPr id="219" name="Rounded Rectangle 13"/>
-          <p:cNvSpPr/>
-          <p:nvPr/>
-        </p:nvSpPr>
-        <p:spPr>
-          <a:xfrm>
-            <a:off x="4164285" y="2228221"/>
-            <a:ext cx="166574" cy="518619"/>
-          </a:xfrm>
-          <a:prstGeom prst="roundRect">
-            <a:avLst>
-              <a:gd name="adj" fmla="val 16667"/>
-            </a:avLst>
-          </a:prstGeom>
-          <a:gradFill>
-            <a:gsLst>
-              <a:gs pos="0">
-                <a:srgbClr val="A603AB"/>
-              </a:gs>
-              <a:gs pos="21001">
-                <a:srgbClr val="0819FB"/>
-              </a:gs>
-              <a:gs pos="35001">
-                <a:srgbClr val="1A8D48"/>
-              </a:gs>
-              <a:gs pos="52000">
-                <a:srgbClr val="FFFF00"/>
-              </a:gs>
-              <a:gs pos="73000">
-                <a:srgbClr val="EE3F17"/>
-              </a:gs>
-              <a:gs pos="88000">
-                <a:srgbClr val="E81766"/>
-              </a:gs>
-              <a:gs pos="100000">
-                <a:srgbClr val="A603AB"/>
-              </a:gs>
-            </a:gsLst>
-            <a:lin ang="10800000"/>
-          </a:gradFill>
-          <a:ln w="12700">
-            <a:miter lim="400000"/>
-          </a:ln>
-        </p:spPr>
-        <p:txBody>
-          <a:bodyPr lIns="46799" tIns="46799" rIns="46799" bIns="46799" anchor="ctr"/>
-          <a:lstStyle/>
-          <a:p>
-            <a:pPr>
-              <a:defRPr>
-                <a:solidFill>
-                  <a:srgbClr val="FFFFFF"/>
-                </a:solidFill>
-                <a:latin typeface="Helvetica Neue"/>
-                <a:ea typeface="Helvetica Neue"/>
-                <a:cs typeface="Helvetica Neue"/>
-                <a:sym typeface="Helvetica Neue"/>
-              </a:defRPr>
-            </a:pPr>
-          </a:p>
-        </p:txBody>
-      </p:sp>
-      <p:sp>
-        <p:nvSpPr>
-          <p:cNvPr id="220" name="Rounded Rectangle 14"/>
-          <p:cNvSpPr/>
-          <p:nvPr/>
-        </p:nvSpPr>
-        <p:spPr>
-          <a:xfrm>
-            <a:off x="5144466" y="2228221"/>
-            <a:ext cx="360230" cy="518619"/>
-          </a:xfrm>
-          <a:prstGeom prst="roundRect">
-            <a:avLst>
-              <a:gd name="adj" fmla="val 16667"/>
-            </a:avLst>
-          </a:prstGeom>
-          <a:gradFill>
-            <a:gsLst>
-              <a:gs pos="0">
-                <a:srgbClr val="A603AB"/>
-              </a:gs>
-              <a:gs pos="21001">
-                <a:srgbClr val="0819FB"/>
-              </a:gs>
-              <a:gs pos="35001">
-                <a:srgbClr val="1A8D48"/>
-              </a:gs>
-              <a:gs pos="52000">
-                <a:srgbClr val="FFFF00"/>
-              </a:gs>
-              <a:gs pos="73000">
-                <a:srgbClr val="EE3F17"/>
-              </a:gs>
-              <a:gs pos="88000">
-                <a:srgbClr val="E81766"/>
-              </a:gs>
-              <a:gs pos="100000">
-                <a:srgbClr val="A603AB"/>
-              </a:gs>
-            </a:gsLst>
-            <a:lin ang="10800000"/>
-          </a:gradFill>
-          <a:ln w="12700">
-            <a:miter lim="400000"/>
-          </a:ln>
-        </p:spPr>
-        <p:txBody>
-          <a:bodyPr lIns="46799" tIns="46799" rIns="46799" bIns="46799" anchor="ctr"/>
-          <a:lstStyle/>
-          <a:p>
-            <a:pPr>
-              <a:defRPr>
-                <a:solidFill>
-                  <a:srgbClr val="FFFFFF"/>
-                </a:solidFill>
-                <a:latin typeface="Helvetica Neue"/>
-                <a:ea typeface="Helvetica Neue"/>
-                <a:cs typeface="Helvetica Neue"/>
-                <a:sym typeface="Helvetica Neue"/>
-              </a:defRPr>
-            </a:pPr>
-          </a:p>
-        </p:txBody>
-      </p:sp>
-      <p:sp>
-        <p:nvSpPr>
-          <p:cNvPr id="221" name="Rectangle 15"/>
-          <p:cNvSpPr/>
-          <p:nvPr/>
-        </p:nvSpPr>
-        <p:spPr>
-          <a:xfrm flipH="1">
-            <a:off x="3542968" y="1777500"/>
-            <a:ext cx="41494" cy="1497409"/>
-          </a:xfrm>
-          <a:prstGeom prst="rect">
-            <a:avLst/>
-          </a:prstGeom>
-          <a:solidFill>
-            <a:srgbClr val="000000"/>
-          </a:solidFill>
-          <a:ln w="3175">
-            <a:solidFill>
-              <a:srgbClr val="000000"/>
-            </a:solidFill>
-          </a:ln>
-          <a:effectLst>
-            <a:outerShdw sx="100000" sy="100000" kx="0" ky="0" algn="b" rotWithShape="0" blurRad="25400" dist="12700" dir="5400000">
-              <a:srgbClr val="000000">
-                <a:alpha val="35000"/>
-              </a:srgbClr>
-            </a:outerShdw>
-          </a:effectLst>
-        </p:spPr>
-        <p:txBody>
-          <a:bodyPr lIns="46799" tIns="46799" rIns="46799" bIns="46799" anchor="ctr"/>
-          <a:lstStyle/>
-          <a:p>
-            <a:pPr>
-              <a:defRPr>
-                <a:solidFill>
-                  <a:srgbClr val="FFFFFF"/>
-                </a:solidFill>
-                <a:latin typeface="Helvetica Neue"/>
-                <a:ea typeface="Helvetica Neue"/>
-                <a:cs typeface="Helvetica Neue"/>
-                <a:sym typeface="Helvetica Neue"/>
-              </a:defRPr>
-            </a:pPr>
-          </a:p>
-        </p:txBody>
-      </p:sp>
-      <p:sp>
-        <p:nvSpPr>
-          <p:cNvPr id="222" name="TextBox 16"/>
-          <p:cNvSpPr txBox="1"/>
-          <p:nvPr/>
-        </p:nvSpPr>
-        <p:spPr>
-          <a:xfrm>
-            <a:off x="3167567" y="3932046"/>
-            <a:ext cx="4035807" cy="1577849"/>
-          </a:xfrm>
-          <a:prstGeom prst="rect">
-            <a:avLst/>
-          </a:prstGeom>
-          <a:ln w="12700">
-            <a:miter lim="400000"/>
-          </a:ln>
-          <a:extLst>
-            <a:ext uri="{C572A759-6A51-4108-AA02-DFA0A04FC94B}">
-              <ma14:wrappingTextBoxFlag xmlns:ma14="http://schemas.microsoft.com/office/mac/drawingml/2011/main" val="1"/>
-            </a:ext>
-          </a:extLst>
-        </p:spPr>
-        <p:txBody>
-          <a:bodyPr wrap="none" lIns="0" tIns="0" rIns="0" bIns="0">
-            <a:spAutoFit/>
-          </a:bodyPr>
-          <a:lstStyle/>
-          <a:p>
-            <a:pPr>
-              <a:defRPr sz="2000">
-                <a:latin typeface="Helvetica Neue"/>
-                <a:ea typeface="Helvetica Neue"/>
-                <a:cs typeface="Helvetica Neue"/>
-                <a:sym typeface="Helvetica Neue"/>
-              </a:defRPr>
-            </a:pPr>
-            <a:r>
-              <a:t>Define time structure of the beam </a:t>
-            </a:r>
-          </a:p>
-          <a:p>
-            <a:pPr>
-              <a:defRPr sz="2000">
-                <a:latin typeface="Helvetica Neue"/>
-                <a:ea typeface="Helvetica Neue"/>
-                <a:cs typeface="Helvetica Neue"/>
-                <a:sym typeface="Helvetica Neue"/>
-              </a:defRPr>
-            </a:pPr>
-          </a:p>
-          <a:p>
-            <a:pPr>
-              <a:defRPr sz="2000">
-                <a:latin typeface="Helvetica Neue"/>
-                <a:ea typeface="Helvetica Neue"/>
-                <a:cs typeface="Helvetica Neue"/>
-                <a:sym typeface="Helvetica Neue"/>
-              </a:defRPr>
-            </a:pPr>
-          </a:p>
-          <a:p>
-            <a:pPr>
-              <a:defRPr sz="2000">
-                <a:latin typeface="Helvetica Neue"/>
-                <a:ea typeface="Helvetica Neue"/>
-                <a:cs typeface="Helvetica Neue"/>
-                <a:sym typeface="Helvetica Neue"/>
-              </a:defRPr>
-            </a:pPr>
-            <a:r>
-              <a:t>Time Of Flight (TOF) measurements</a:t>
-            </a:r>
-          </a:p>
-        </p:txBody>
-      </p:sp>
-    </p:spTree>
-  </p:cSld>
-  <p:clrMapOvr>
-    <a:masterClrMapping/>
-  </p:clrMapOvr>
-  <p:transition xmlns:p14="http://schemas.microsoft.com/office/powerpoint/2010/main" spd="med" advClick="1"/>
-</p:sld>
-</file>
-
-<file path=ppt/slides/slide9.xml><?xml version="1.0" encoding="utf-8"?>
-<p:sld xmlns:a="http://schemas.openxmlformats.org/drawingml/2006/main" xmlns:r="http://schemas.openxmlformats.org/officeDocument/2006/relationships" xmlns:p="http://schemas.openxmlformats.org/presentationml/2006/main" xmlns:m="http://schemas.openxmlformats.org/officeDocument/2006/math" xmlns:a14="http://schemas.microsoft.com/office/drawing/2010/main" showMasterSp="1" showMasterPhAnim="1">
-  <p:cSld>
-    <p:spTree>
-      <p:nvGrpSpPr>
-        <p:cNvPr id="1" name=""/>
-        <p:cNvGrpSpPr/>
-        <p:nvPr/>
-      </p:nvGrpSpPr>
-      <p:grpSpPr>
-        <a:xfrm>
-          <a:off x="0" y="0"/>
-          <a:ext cx="0" cy="0"/>
-          <a:chOff x="0" y="0"/>
-          <a:chExt cx="0" cy="0"/>
-        </a:xfrm>
-      </p:grpSpPr>
-      <p:sp>
-        <p:nvSpPr>
-          <p:cNvPr id="224" name="Slide Number"/>
-          <p:cNvSpPr txBox="1"/>
-          <p:nvPr>
-            <p:ph type="sldNum" sz="quarter" idx="2"/>
-          </p:nvPr>
-        </p:nvSpPr>
-        <p:spPr>
-          <a:prstGeom prst="rect">
-            <a:avLst/>
-          </a:prstGeom>
-          <a:extLst>
-            <a:ext uri="{C572A759-6A51-4108-AA02-DFA0A04FC94B}">
-              <ma14:wrappingTextBoxFlag xmlns:ma14="http://schemas.microsoft.com/office/mac/drawingml/2011/main" val="1"/>
-            </a:ext>
-          </a:extLst>
-        </p:spPr>
-        <p:txBody>
-          <a:bodyPr/>
-          <a:lstStyle/>
-          <a:p>
-            <a:pPr/>
-            <a:fld id="{86CB4B4D-7CA3-9044-876B-883B54F8677D}" type="slidenum"/>
-          </a:p>
-        </p:txBody>
-      </p:sp>
-      <p:pic>
-        <p:nvPicPr>
-          <p:cNvPr id="225" name="DiskChop1.pdf" descr="DiskChop1.pdf"/>
-          <p:cNvPicPr>
-            <a:picLocks noChangeAspect="1"/>
-          </p:cNvPicPr>
-          <p:nvPr/>
-        </p:nvPicPr>
-        <p:blipFill>
-          <a:blip r:embed="rId2">
-            <a:extLst/>
-          </a:blip>
-          <a:stretch>
-            <a:fillRect/>
-          </a:stretch>
-        </p:blipFill>
-        <p:spPr>
-          <a:xfrm>
-            <a:off x="1519571" y="1234240"/>
-            <a:ext cx="4377473" cy="4188790"/>
-          </a:xfrm>
-          <a:prstGeom prst="rect">
-            <a:avLst/>
-          </a:prstGeom>
-          <a:ln w="12700">
-            <a:miter lim="400000"/>
-          </a:ln>
-        </p:spPr>
-      </p:pic>
-      <p:pic>
-        <p:nvPicPr>
-          <p:cNvPr id="226" name="r&amp;d2-2.jpg" descr="r&amp;d2-2.jpg"/>
-          <p:cNvPicPr>
-            <a:picLocks noChangeAspect="1"/>
-          </p:cNvPicPr>
-          <p:nvPr/>
-        </p:nvPicPr>
-        <p:blipFill>
-          <a:blip r:embed="rId3">
-            <a:extLst/>
-          </a:blip>
-          <a:stretch>
-            <a:fillRect/>
-          </a:stretch>
-        </p:blipFill>
-        <p:spPr>
-          <a:xfrm>
-            <a:off x="5987248" y="1543508"/>
-            <a:ext cx="3826649" cy="2869988"/>
-          </a:xfrm>
-          <a:prstGeom prst="rect">
-            <a:avLst/>
-          </a:prstGeom>
-          <a:ln w="12700">
-            <a:miter lim="400000"/>
-          </a:ln>
-        </p:spPr>
-      </p:pic>
-      <p:sp>
-        <p:nvSpPr>
-          <p:cNvPr id="227" name="Title 1"/>
-          <p:cNvSpPr txBox="1"/>
-          <p:nvPr/>
-        </p:nvSpPr>
-        <p:spPr>
-          <a:xfrm>
-            <a:off x="1519571" y="110814"/>
-            <a:ext cx="8232759" cy="421844"/>
-          </a:xfrm>
-          <a:prstGeom prst="rect">
-            <a:avLst/>
-          </a:prstGeom>
-          <a:ln w="12700">
-            <a:miter lim="400000"/>
-          </a:ln>
-          <a:extLst>
-            <a:ext uri="{C572A759-6A51-4108-AA02-DFA0A04FC94B}">
-              <ma14:wrappingTextBoxFlag xmlns:ma14="http://schemas.microsoft.com/office/mac/drawingml/2011/main" val="1"/>
-            </a:ext>
-          </a:extLst>
-        </p:spPr>
-        <p:txBody>
-          <a:bodyPr lIns="0" tIns="0" rIns="0" bIns="0">
-            <a:spAutoFit/>
-          </a:bodyPr>
-          <a:lstStyle>
-            <a:lvl1pPr>
-              <a:defRPr sz="2800">
-                <a:latin typeface="Helvetica Neue"/>
-                <a:ea typeface="Helvetica Neue"/>
-                <a:cs typeface="Helvetica Neue"/>
-                <a:sym typeface="Helvetica Neue"/>
-              </a:defRPr>
-            </a:lvl1pPr>
-          </a:lstStyle>
-          <a:p>
-            <a:pPr/>
-            <a:r>
-              <a:t>DISK CHOPPER</a:t>
-            </a:r>
           </a:p>
         </p:txBody>
       </p:sp>
